--- a/Comparativo.pptx
+++ b/Comparativo.pptx
@@ -8,8 +8,9 @@
     <p:sldId id="256" r:id="rId2"/>
     <p:sldId id="259" r:id="rId3"/>
     <p:sldId id="258" r:id="rId4"/>
-    <p:sldId id="261" r:id="rId5"/>
-    <p:sldId id="260" r:id="rId6"/>
+    <p:sldId id="262" r:id="rId5"/>
+    <p:sldId id="261" r:id="rId6"/>
+    <p:sldId id="260" r:id="rId7"/>
   </p:sldIdLst>
   <p:sldSz cx="9144000" cy="6858000" type="screen4x3"/>
   <p:notesSz cx="6858000" cy="9144000"/>
@@ -292,7 +293,7 @@
           <a:p>
             <a:fld id="{237ECAD9-36D8-4253-8736-ABF6DBFEB1EE}" type="datetimeFigureOut">
               <a:rPr lang="en-US" smtClean="0"/>
-              <a:t>6/3/2018</a:t>
+              <a:t>6/4/2018</a:t>
             </a:fld>
             <a:endParaRPr lang="en-US"/>
           </a:p>
@@ -462,7 +463,7 @@
           <a:p>
             <a:fld id="{237ECAD9-36D8-4253-8736-ABF6DBFEB1EE}" type="datetimeFigureOut">
               <a:rPr lang="en-US" smtClean="0"/>
-              <a:t>6/3/2018</a:t>
+              <a:t>6/4/2018</a:t>
             </a:fld>
             <a:endParaRPr lang="en-US"/>
           </a:p>
@@ -642,7 +643,7 @@
           <a:p>
             <a:fld id="{237ECAD9-36D8-4253-8736-ABF6DBFEB1EE}" type="datetimeFigureOut">
               <a:rPr lang="en-US" smtClean="0"/>
-              <a:t>6/3/2018</a:t>
+              <a:t>6/4/2018</a:t>
             </a:fld>
             <a:endParaRPr lang="en-US"/>
           </a:p>
@@ -812,7 +813,7 @@
           <a:p>
             <a:fld id="{237ECAD9-36D8-4253-8736-ABF6DBFEB1EE}" type="datetimeFigureOut">
               <a:rPr lang="en-US" smtClean="0"/>
-              <a:t>6/3/2018</a:t>
+              <a:t>6/4/2018</a:t>
             </a:fld>
             <a:endParaRPr lang="en-US"/>
           </a:p>
@@ -1058,7 +1059,7 @@
           <a:p>
             <a:fld id="{237ECAD9-36D8-4253-8736-ABF6DBFEB1EE}" type="datetimeFigureOut">
               <a:rPr lang="en-US" smtClean="0"/>
-              <a:t>6/3/2018</a:t>
+              <a:t>6/4/2018</a:t>
             </a:fld>
             <a:endParaRPr lang="en-US"/>
           </a:p>
@@ -1346,7 +1347,7 @@
           <a:p>
             <a:fld id="{237ECAD9-36D8-4253-8736-ABF6DBFEB1EE}" type="datetimeFigureOut">
               <a:rPr lang="en-US" smtClean="0"/>
-              <a:t>6/3/2018</a:t>
+              <a:t>6/4/2018</a:t>
             </a:fld>
             <a:endParaRPr lang="en-US"/>
           </a:p>
@@ -1768,7 +1769,7 @@
           <a:p>
             <a:fld id="{237ECAD9-36D8-4253-8736-ABF6DBFEB1EE}" type="datetimeFigureOut">
               <a:rPr lang="en-US" smtClean="0"/>
-              <a:t>6/3/2018</a:t>
+              <a:t>6/4/2018</a:t>
             </a:fld>
             <a:endParaRPr lang="en-US"/>
           </a:p>
@@ -1886,7 +1887,7 @@
           <a:p>
             <a:fld id="{237ECAD9-36D8-4253-8736-ABF6DBFEB1EE}" type="datetimeFigureOut">
               <a:rPr lang="en-US" smtClean="0"/>
-              <a:t>6/3/2018</a:t>
+              <a:t>6/4/2018</a:t>
             </a:fld>
             <a:endParaRPr lang="en-US"/>
           </a:p>
@@ -1981,7 +1982,7 @@
           <a:p>
             <a:fld id="{237ECAD9-36D8-4253-8736-ABF6DBFEB1EE}" type="datetimeFigureOut">
               <a:rPr lang="en-US" smtClean="0"/>
-              <a:t>6/3/2018</a:t>
+              <a:t>6/4/2018</a:t>
             </a:fld>
             <a:endParaRPr lang="en-US"/>
           </a:p>
@@ -2258,7 +2259,7 @@
           <a:p>
             <a:fld id="{237ECAD9-36D8-4253-8736-ABF6DBFEB1EE}" type="datetimeFigureOut">
               <a:rPr lang="en-US" smtClean="0"/>
-              <a:t>6/3/2018</a:t>
+              <a:t>6/4/2018</a:t>
             </a:fld>
             <a:endParaRPr lang="en-US"/>
           </a:p>
@@ -2511,7 +2512,7 @@
           <a:p>
             <a:fld id="{237ECAD9-36D8-4253-8736-ABF6DBFEB1EE}" type="datetimeFigureOut">
               <a:rPr lang="en-US" smtClean="0"/>
-              <a:t>6/3/2018</a:t>
+              <a:t>6/4/2018</a:t>
             </a:fld>
             <a:endParaRPr lang="en-US"/>
           </a:p>
@@ -2724,7 +2725,7 @@
           <a:p>
             <a:fld id="{237ECAD9-36D8-4253-8736-ABF6DBFEB1EE}" type="datetimeFigureOut">
               <a:rPr lang="en-US" smtClean="0"/>
-              <a:t>6/3/2018</a:t>
+              <a:t>6/4/2018</a:t>
             </a:fld>
             <a:endParaRPr lang="en-US"/>
           </a:p>
@@ -3138,19 +3139,7 @@
                   </a:outerShdw>
                 </a:effectLst>
               </a:rPr>
-              <a:t>D</a:t>
-            </a:r>
-            <a:r>
-              <a:rPr lang="en-US" sz="5400" dirty="0" smtClean="0">
-                <a:effectLst>
-                  <a:outerShdw blurRad="38100" dist="38100" dir="2700000" algn="tl">
-                    <a:srgbClr val="000000">
-                      <a:alpha val="43137"/>
-                    </a:srgbClr>
-                  </a:outerShdw>
-                </a:effectLst>
-              </a:rPr>
-              <a:t>evelopment</a:t>
+              <a:t>Development</a:t>
             </a:r>
             <a:endParaRPr lang="en-US" sz="5400" dirty="0">
               <a:effectLst>
@@ -4977,6 +4966,467 @@
           <a:chExt cx="0" cy="0"/>
         </a:xfrm>
       </p:grpSpPr>
+      <p:pic>
+        <p:nvPicPr>
+          <p:cNvPr id="2" name="Picture 2" descr="Android Activity lifecycle"/>
+          <p:cNvPicPr>
+            <a:picLocks noChangeAspect="1" noChangeArrowheads="1"/>
+          </p:cNvPicPr>
+          <p:nvPr/>
+        </p:nvPicPr>
+        <p:blipFill>
+          <a:blip r:embed="rId2">
+            <a:extLst>
+              <a:ext uri="{28A0092B-C50C-407E-A947-70E740481C1C}">
+                <a14:useLocalDpi xmlns:a14="http://schemas.microsoft.com/office/drawing/2010/main" val="0"/>
+              </a:ext>
+            </a:extLst>
+          </a:blip>
+          <a:srcRect/>
+          <a:stretch>
+            <a:fillRect/>
+          </a:stretch>
+        </p:blipFill>
+        <p:spPr bwMode="auto">
+          <a:xfrm>
+            <a:off x="539552" y="332656"/>
+            <a:ext cx="4781550" cy="6200775"/>
+          </a:xfrm>
+          <a:prstGeom prst="rect">
+            <a:avLst/>
+          </a:prstGeom>
+          <a:noFill/>
+          <a:extLst>
+            <a:ext uri="{909E8E84-426E-40DD-AFC4-6F175D3DCCD1}">
+              <a14:hiddenFill xmlns:a14="http://schemas.microsoft.com/office/drawing/2010/main">
+                <a:solidFill>
+                  <a:srgbClr val="FFFFFF"/>
+                </a:solidFill>
+              </a14:hiddenFill>
+            </a:ext>
+          </a:extLst>
+        </p:spPr>
+      </p:pic>
+      <p:sp>
+        <p:nvSpPr>
+          <p:cNvPr id="3" name="Text Box 25"/>
+          <p:cNvSpPr txBox="1"/>
+          <p:nvPr/>
+        </p:nvSpPr>
+        <p:spPr>
+          <a:xfrm>
+            <a:off x="179512" y="323292"/>
+            <a:ext cx="868680" cy="358140"/>
+          </a:xfrm>
+          <a:prstGeom prst="rect">
+            <a:avLst/>
+          </a:prstGeom>
+          <a:solidFill>
+            <a:schemeClr val="accent1">
+              <a:lumMod val="20000"/>
+              <a:lumOff val="80000"/>
+            </a:schemeClr>
+          </a:solidFill>
+          <a:ln>
+            <a:noFill/>
+          </a:ln>
+          <a:effectLst/>
+          <a:scene3d>
+            <a:camera prst="orthographicFront">
+              <a:rot lat="0" lon="0" rev="0"/>
+            </a:camera>
+            <a:lightRig rig="contrasting" dir="t">
+              <a:rot lat="0" lon="0" rev="7800000"/>
+            </a:lightRig>
+          </a:scene3d>
+          <a:sp3d>
+            <a:bevelT w="139700" h="139700"/>
+          </a:sp3d>
+        </p:spPr>
+        <p:style>
+          <a:lnRef idx="2">
+            <a:schemeClr val="accent2"/>
+          </a:lnRef>
+          <a:fillRef idx="1">
+            <a:schemeClr val="lt1"/>
+          </a:fillRef>
+          <a:effectRef idx="0">
+            <a:schemeClr val="accent2"/>
+          </a:effectRef>
+          <a:fontRef idx="minor">
+            <a:schemeClr val="dk1"/>
+          </a:fontRef>
+        </p:style>
+        <p:txBody>
+          <a:bodyPr rot="0" spcFirstLastPara="0" vert="horz" wrap="square" lIns="91440" tIns="45720" rIns="91440" bIns="45720" numCol="1" spcCol="0" rtlCol="0" fromWordArt="0" anchor="t" anchorCtr="0" forceAA="0" compatLnSpc="1">
+            <a:prstTxWarp prst="textNoShape">
+              <a:avLst/>
+            </a:prstTxWarp>
+            <a:noAutofit/>
+          </a:bodyPr>
+          <a:lstStyle/>
+          <a:p>
+            <a:pPr algn="ctr">
+              <a:lnSpc>
+                <a:spcPct val="115000"/>
+              </a:lnSpc>
+              <a:spcAft>
+                <a:spcPts val="1000"/>
+              </a:spcAft>
+            </a:pPr>
+            <a:r>
+              <a:rPr lang="es-MX" sz="1200" b="1">
+                <a:solidFill>
+                  <a:srgbClr val="365F91"/>
+                </a:solidFill>
+                <a:effectLst>
+                  <a:outerShdw blurRad="50800" dist="38100" dir="18900000" algn="bl">
+                    <a:srgbClr val="000000">
+                      <a:alpha val="40000"/>
+                    </a:srgbClr>
+                  </a:outerShdw>
+                </a:effectLst>
+                <a:ea typeface="Calibri"/>
+                <a:cs typeface="Times New Roman"/>
+              </a:rPr>
+              <a:t>Android</a:t>
+            </a:r>
+            <a:endParaRPr lang="en-US" sz="1100">
+              <a:effectLst/>
+              <a:ea typeface="Calibri"/>
+              <a:cs typeface="Times New Roman"/>
+            </a:endParaRPr>
+          </a:p>
+        </p:txBody>
+      </p:sp>
+    </p:spTree>
+    <p:extLst>
+      <p:ext uri="{BB962C8B-B14F-4D97-AF65-F5344CB8AC3E}">
+        <p14:creationId xmlns:p14="http://schemas.microsoft.com/office/powerpoint/2010/main" val="624042464"/>
+      </p:ext>
+    </p:extLst>
+  </p:cSld>
+  <p:clrMapOvr>
+    <a:masterClrMapping/>
+  </p:clrMapOvr>
+</p:sld>
+</file>
+
+<file path=ppt/slides/slide5.xml><?xml version="1.0" encoding="utf-8"?>
+<p:sld xmlns:a="http://schemas.openxmlformats.org/drawingml/2006/main" xmlns:r="http://schemas.openxmlformats.org/officeDocument/2006/relationships" xmlns:p="http://schemas.openxmlformats.org/presentationml/2006/main">
+  <p:cSld>
+    <p:spTree>
+      <p:nvGrpSpPr>
+        <p:cNvPr id="1" name=""/>
+        <p:cNvGrpSpPr/>
+        <p:nvPr/>
+      </p:nvGrpSpPr>
+      <p:grpSpPr>
+        <a:xfrm>
+          <a:off x="0" y="0"/>
+          <a:ext cx="0" cy="0"/>
+          <a:chOff x="0" y="0"/>
+          <a:chExt cx="0" cy="0"/>
+        </a:xfrm>
+      </p:grpSpPr>
+      <p:pic>
+        <p:nvPicPr>
+          <p:cNvPr id="1026" name="Picture 2"/>
+          <p:cNvPicPr>
+            <a:picLocks noChangeAspect="1" noChangeArrowheads="1"/>
+          </p:cNvPicPr>
+          <p:nvPr/>
+        </p:nvPicPr>
+        <p:blipFill>
+          <a:blip r:embed="rId2">
+            <a:extLst>
+              <a:ext uri="{28A0092B-C50C-407E-A947-70E740481C1C}">
+                <a14:useLocalDpi xmlns:a14="http://schemas.microsoft.com/office/drawing/2010/main" val="0"/>
+              </a:ext>
+            </a:extLst>
+          </a:blip>
+          <a:srcRect/>
+          <a:stretch>
+            <a:fillRect/>
+          </a:stretch>
+        </p:blipFill>
+        <p:spPr bwMode="auto">
+          <a:xfrm>
+            <a:off x="159701" y="834170"/>
+            <a:ext cx="4195983" cy="4752529"/>
+          </a:xfrm>
+          <a:prstGeom prst="rect">
+            <a:avLst/>
+          </a:prstGeom>
+          <a:ln w="9525">
+            <a:solidFill>
+              <a:schemeClr val="bg1">
+                <a:lumMod val="75000"/>
+              </a:schemeClr>
+            </a:solidFill>
+            <a:miter lim="800000"/>
+            <a:headEnd/>
+            <a:tailEnd/>
+          </a:ln>
+          <a:effectLst>
+            <a:outerShdw blurRad="292100" dist="139700" dir="2700000" algn="tl" rotWithShape="0">
+              <a:srgbClr val="333333">
+                <a:alpha val="65000"/>
+              </a:srgbClr>
+            </a:outerShdw>
+          </a:effectLst>
+          <a:extLst>
+            <a:ext uri="{909E8E84-426E-40DD-AFC4-6F175D3DCCD1}">
+              <a14:hiddenFill xmlns:a14="http://schemas.microsoft.com/office/drawing/2010/main">
+                <a:solidFill>
+                  <a:schemeClr val="accent1"/>
+                </a:solidFill>
+              </a14:hiddenFill>
+            </a:ext>
+          </a:extLst>
+        </p:spPr>
+      </p:pic>
+      <p:sp>
+        <p:nvSpPr>
+          <p:cNvPr id="3" name="Text Box 25"/>
+          <p:cNvSpPr txBox="1"/>
+          <p:nvPr/>
+        </p:nvSpPr>
+        <p:spPr>
+          <a:xfrm>
+            <a:off x="1823352" y="375056"/>
+            <a:ext cx="868680" cy="358140"/>
+          </a:xfrm>
+          <a:prstGeom prst="rect">
+            <a:avLst/>
+          </a:prstGeom>
+          <a:solidFill>
+            <a:schemeClr val="accent1">
+              <a:lumMod val="20000"/>
+              <a:lumOff val="80000"/>
+            </a:schemeClr>
+          </a:solidFill>
+          <a:ln>
+            <a:noFill/>
+          </a:ln>
+          <a:effectLst/>
+          <a:scene3d>
+            <a:camera prst="orthographicFront">
+              <a:rot lat="0" lon="0" rev="0"/>
+            </a:camera>
+            <a:lightRig rig="contrasting" dir="t">
+              <a:rot lat="0" lon="0" rev="7800000"/>
+            </a:lightRig>
+          </a:scene3d>
+          <a:sp3d>
+            <a:bevelT w="139700" h="139700"/>
+          </a:sp3d>
+        </p:spPr>
+        <p:style>
+          <a:lnRef idx="2">
+            <a:schemeClr val="accent2"/>
+          </a:lnRef>
+          <a:fillRef idx="1">
+            <a:schemeClr val="lt1"/>
+          </a:fillRef>
+          <a:effectRef idx="0">
+            <a:schemeClr val="accent2"/>
+          </a:effectRef>
+          <a:fontRef idx="minor">
+            <a:schemeClr val="dk1"/>
+          </a:fontRef>
+        </p:style>
+        <p:txBody>
+          <a:bodyPr rot="0" spcFirstLastPara="0" vert="horz" wrap="square" lIns="91440" tIns="45720" rIns="91440" bIns="45720" numCol="1" spcCol="0" rtlCol="0" fromWordArt="0" anchor="t" anchorCtr="0" forceAA="0" compatLnSpc="1">
+            <a:prstTxWarp prst="textNoShape">
+              <a:avLst/>
+            </a:prstTxWarp>
+            <a:noAutofit/>
+          </a:bodyPr>
+          <a:lstStyle/>
+          <a:p>
+            <a:pPr algn="ctr">
+              <a:lnSpc>
+                <a:spcPct val="115000"/>
+              </a:lnSpc>
+              <a:spcAft>
+                <a:spcPts val="1000"/>
+              </a:spcAft>
+            </a:pPr>
+            <a:r>
+              <a:rPr lang="es-MX" sz="1200" b="1">
+                <a:solidFill>
+                  <a:srgbClr val="365F91"/>
+                </a:solidFill>
+                <a:effectLst>
+                  <a:outerShdw blurRad="50800" dist="38100" dir="18900000" algn="bl">
+                    <a:srgbClr val="000000">
+                      <a:alpha val="40000"/>
+                    </a:srgbClr>
+                  </a:outerShdw>
+                </a:effectLst>
+                <a:ea typeface="Calibri"/>
+                <a:cs typeface="Times New Roman"/>
+              </a:rPr>
+              <a:t>Android</a:t>
+            </a:r>
+            <a:endParaRPr lang="en-US" sz="1100">
+              <a:effectLst/>
+              <a:ea typeface="Calibri"/>
+              <a:cs typeface="Times New Roman"/>
+            </a:endParaRPr>
+          </a:p>
+        </p:txBody>
+      </p:sp>
+      <p:pic>
+        <p:nvPicPr>
+          <p:cNvPr id="1027" name="Picture 3"/>
+          <p:cNvPicPr>
+            <a:picLocks noChangeAspect="1" noChangeArrowheads="1"/>
+          </p:cNvPicPr>
+          <p:nvPr/>
+        </p:nvPicPr>
+        <p:blipFill>
+          <a:blip r:embed="rId3">
+            <a:extLst>
+              <a:ext uri="{28A0092B-C50C-407E-A947-70E740481C1C}">
+                <a14:useLocalDpi xmlns:a14="http://schemas.microsoft.com/office/drawing/2010/main" val="0"/>
+              </a:ext>
+            </a:extLst>
+          </a:blip>
+          <a:srcRect/>
+          <a:stretch>
+            <a:fillRect/>
+          </a:stretch>
+        </p:blipFill>
+        <p:spPr bwMode="auto">
+          <a:xfrm>
+            <a:off x="3275334" y="1988840"/>
+            <a:ext cx="5697130" cy="4710744"/>
+          </a:xfrm>
+          <a:prstGeom prst="rect">
+            <a:avLst/>
+          </a:prstGeom>
+          <a:ln w="9525">
+            <a:solidFill>
+              <a:schemeClr val="bg1">
+                <a:lumMod val="75000"/>
+              </a:schemeClr>
+            </a:solidFill>
+            <a:miter lim="800000"/>
+            <a:headEnd/>
+            <a:tailEnd/>
+          </a:ln>
+          <a:effectLst>
+            <a:outerShdw blurRad="292100" dist="139700" dir="2700000" algn="tl" rotWithShape="0">
+              <a:srgbClr val="333333">
+                <a:alpha val="65000"/>
+              </a:srgbClr>
+            </a:outerShdw>
+          </a:effectLst>
+          <a:extLst>
+            <a:ext uri="{909E8E84-426E-40DD-AFC4-6F175D3DCCD1}">
+              <a14:hiddenFill xmlns:a14="http://schemas.microsoft.com/office/drawing/2010/main">
+                <a:solidFill>
+                  <a:schemeClr val="accent1"/>
+                </a:solidFill>
+              </a14:hiddenFill>
+            </a:ext>
+          </a:extLst>
+        </p:spPr>
+      </p:pic>
+      <p:sp>
+        <p:nvSpPr>
+          <p:cNvPr id="5" name="Text Box 26"/>
+          <p:cNvSpPr txBox="1"/>
+          <p:nvPr/>
+        </p:nvSpPr>
+        <p:spPr>
+          <a:xfrm>
+            <a:off x="5361899" y="1268760"/>
+            <a:ext cx="1524000" cy="358140"/>
+          </a:xfrm>
+          <a:prstGeom prst="rect">
+            <a:avLst/>
+          </a:prstGeom>
+          <a:solidFill>
+            <a:schemeClr val="accent1">
+              <a:lumMod val="20000"/>
+              <a:lumOff val="80000"/>
+            </a:schemeClr>
+          </a:solidFill>
+          <a:ln>
+            <a:noFill/>
+          </a:ln>
+          <a:effectLst/>
+          <a:scene3d>
+            <a:camera prst="orthographicFront">
+              <a:rot lat="0" lon="0" rev="0"/>
+            </a:camera>
+            <a:lightRig rig="contrasting" dir="t">
+              <a:rot lat="0" lon="0" rev="7800000"/>
+            </a:lightRig>
+          </a:scene3d>
+          <a:sp3d>
+            <a:bevelT w="139700" h="139700"/>
+          </a:sp3d>
+        </p:spPr>
+        <p:style>
+          <a:lnRef idx="2">
+            <a:schemeClr val="accent2"/>
+          </a:lnRef>
+          <a:fillRef idx="1">
+            <a:schemeClr val="lt1"/>
+          </a:fillRef>
+          <a:effectRef idx="0">
+            <a:schemeClr val="accent2"/>
+          </a:effectRef>
+          <a:fontRef idx="minor">
+            <a:schemeClr val="dk1"/>
+          </a:fontRef>
+        </p:style>
+        <p:txBody>
+          <a:bodyPr rot="0" spcFirstLastPara="0" vert="horz" wrap="square" lIns="91440" tIns="45720" rIns="91440" bIns="45720" numCol="1" spcCol="0" rtlCol="0" fromWordArt="0" anchor="t" anchorCtr="0" forceAA="0" compatLnSpc="1">
+            <a:prstTxWarp prst="textNoShape">
+              <a:avLst/>
+            </a:prstTxWarp>
+            <a:noAutofit/>
+          </a:bodyPr>
+          <a:lstStyle/>
+          <a:p>
+            <a:pPr algn="ctr">
+              <a:lnSpc>
+                <a:spcPct val="115000"/>
+              </a:lnSpc>
+              <a:spcAft>
+                <a:spcPts val="1000"/>
+              </a:spcAft>
+            </a:pPr>
+            <a:r>
+              <a:rPr lang="es-MX" sz="1200" b="1" dirty="0">
+                <a:solidFill>
+                  <a:srgbClr val="365F91"/>
+                </a:solidFill>
+                <a:effectLst>
+                  <a:outerShdw blurRad="50800" dist="38100" dir="18900000" algn="bl">
+                    <a:srgbClr val="000000">
+                      <a:alpha val="40000"/>
+                    </a:srgbClr>
+                  </a:outerShdw>
+                </a:effectLst>
+                <a:ea typeface="Calibri"/>
+                <a:cs typeface="Times New Roman"/>
+              </a:rPr>
+              <a:t>Xamarin.Android</a:t>
+            </a:r>
+            <a:endParaRPr lang="en-US" sz="1100" dirty="0">
+              <a:effectLst/>
+              <a:ea typeface="Calibri"/>
+              <a:cs typeface="Times New Roman"/>
+            </a:endParaRPr>
+          </a:p>
+        </p:txBody>
+      </p:sp>
     </p:spTree>
     <p:extLst>
       <p:ext uri="{BB962C8B-B14F-4D97-AF65-F5344CB8AC3E}">
@@ -4990,7 +5440,7 @@
 </p:sld>
 </file>
 
-<file path=ppt/slides/slide5.xml><?xml version="1.0" encoding="utf-8"?>
+<file path=ppt/slides/slide6.xml><?xml version="1.0" encoding="utf-8"?>
 <p:sld xmlns:a="http://schemas.openxmlformats.org/drawingml/2006/main" xmlns:r="http://schemas.openxmlformats.org/officeDocument/2006/relationships" xmlns:p="http://schemas.openxmlformats.org/presentationml/2006/main">
   <p:cSld>
     <p:spTree>
